--- a/regional_trends_prep/figure1.pptx
+++ b/regional_trends_prep/figure1.pptx
@@ -6,6 +6,7 @@
   </p:sldMasterIdLst>
   <p:sldIdLst>
     <p:sldId id="256" r:id="rId2"/>
+    <p:sldId id="257" r:id="rId3"/>
   </p:sldIdLst>
   <p:sldSz cx="12192000" cy="6858000"/>
   <p:notesSz cx="6858000" cy="9144000"/>
@@ -104,6 +105,11 @@
       </a:defRPr>
     </a:lvl9pPr>
   </p:defaultTextStyle>
+  <p:extLst>
+    <p:ext uri="{EFAFB233-063F-42B5-8137-9DF3F51BA10A}">
+      <p15:sldGuideLst xmlns:p15="http://schemas.microsoft.com/office/powerpoint/2012/main"/>
+    </p:ext>
+  </p:extLst>
 </p:presentation>
 </file>
 
@@ -3380,8 +3386,8 @@
           </a:prstGeom>
         </p:spPr>
       </p:pic>
-      <mc:AlternateContent xmlns:mc="http://schemas.openxmlformats.org/markup-compatibility/2006">
-        <mc:Choice xmlns:p14="http://schemas.microsoft.com/office/powerpoint/2010/main" Requires="p14">
+      <mc:AlternateContent xmlns:mc="http://schemas.openxmlformats.org/markup-compatibility/2006" xmlns:p14="http://schemas.microsoft.com/office/powerpoint/2010/main">
+        <mc:Choice Requires="p14">
           <p:contentPart p14:bwMode="auto" r:id="rId3">
             <p14:nvContentPartPr>
               <p14:cNvPr id="8" name="Ink 7">
@@ -3400,7 +3406,7 @@
             </p14:xfrm>
           </p:contentPart>
         </mc:Choice>
-        <mc:Fallback>
+        <mc:Fallback xmlns="">
           <p:pic>
             <p:nvPicPr>
               <p:cNvPr id="8" name="Ink 7">
@@ -3477,36 +3483,6 @@
           </a:p>
         </p:txBody>
       </p:sp>
-      <p:pic>
-        <p:nvPicPr>
-          <p:cNvPr id="5" name="Picture 4">
-            <a:extLst>
-              <a:ext uri="{FF2B5EF4-FFF2-40B4-BE49-F238E27FC236}">
-                <a16:creationId xmlns:a16="http://schemas.microsoft.com/office/drawing/2014/main" id="{7CA49472-5DEB-DE92-6B69-0C5AF16FB8AD}"/>
-              </a:ext>
-            </a:extLst>
-          </p:cNvPr>
-          <p:cNvPicPr>
-            <a:picLocks noChangeAspect="1"/>
-          </p:cNvPicPr>
-          <p:nvPr/>
-        </p:nvPicPr>
-        <p:blipFill>
-          <a:blip r:embed="rId5"/>
-          <a:stretch>
-            <a:fillRect/>
-          </a:stretch>
-        </p:blipFill>
-        <p:spPr>
-          <a:xfrm>
-            <a:off x="4899882" y="1999144"/>
-            <a:ext cx="4221042" cy="2554088"/>
-          </a:xfrm>
-          <a:prstGeom prst="rect">
-            <a:avLst/>
-          </a:prstGeom>
-        </p:spPr>
-      </p:pic>
       <p:cxnSp>
         <p:nvCxnSpPr>
           <p:cNvPr id="15" name="Straight Connector 14">
@@ -3532,13 +3508,13 @@
           </a:prstGeom>
         </p:spPr>
         <p:style>
-          <a:lnRef idx="2">
+          <a:lnRef idx="3">
             <a:schemeClr val="dk1"/>
           </a:lnRef>
           <a:fillRef idx="0">
             <a:schemeClr val="dk1"/>
           </a:fillRef>
-          <a:effectRef idx="1">
+          <a:effectRef idx="2">
             <a:schemeClr val="dk1"/>
           </a:effectRef>
           <a:fontRef idx="minor">
@@ -3571,13 +3547,13 @@
           </a:prstGeom>
         </p:spPr>
         <p:style>
-          <a:lnRef idx="2">
+          <a:lnRef idx="3">
             <a:schemeClr val="dk1"/>
           </a:lnRef>
           <a:fillRef idx="0">
             <a:schemeClr val="dk1"/>
           </a:fillRef>
-          <a:effectRef idx="1">
+          <a:effectRef idx="2">
             <a:schemeClr val="dk1"/>
           </a:effectRef>
           <a:fontRef idx="minor">
@@ -3585,10 +3561,148 @@
           </a:fontRef>
         </p:style>
       </p:cxnSp>
+      <p:pic>
+        <p:nvPicPr>
+          <p:cNvPr id="3" name="Picture 2">
+            <a:extLst>
+              <a:ext uri="{FF2B5EF4-FFF2-40B4-BE49-F238E27FC236}">
+                <a16:creationId xmlns:a16="http://schemas.microsoft.com/office/drawing/2014/main" id="{F631F2C9-41ED-713A-A3A4-98695F092F8A}"/>
+              </a:ext>
+            </a:extLst>
+          </p:cNvPr>
+          <p:cNvPicPr>
+            <a:picLocks noChangeAspect="1"/>
+          </p:cNvPicPr>
+          <p:nvPr/>
+        </p:nvPicPr>
+        <p:blipFill>
+          <a:blip r:embed="rId5"/>
+          <a:srcRect t="4227"/>
+          <a:stretch/>
+        </p:blipFill>
+        <p:spPr>
+          <a:xfrm>
+            <a:off x="4955263" y="964098"/>
+            <a:ext cx="4472837" cy="4694633"/>
+          </a:xfrm>
+          <a:prstGeom prst="rect">
+            <a:avLst/>
+          </a:prstGeom>
+          <a:ln w="38100" cap="sq">
+            <a:solidFill>
+              <a:srgbClr val="000000"/>
+            </a:solidFill>
+            <a:prstDash val="solid"/>
+            <a:miter lim="800000"/>
+          </a:ln>
+          <a:effectLst>
+            <a:outerShdw blurRad="50800" dist="38100" dir="2700000" algn="tl" rotWithShape="0">
+              <a:srgbClr val="000000">
+                <a:alpha val="43000"/>
+              </a:srgbClr>
+            </a:outerShdw>
+          </a:effectLst>
+        </p:spPr>
+      </p:pic>
     </p:spTree>
     <p:extLst>
       <p:ext uri="{BB962C8B-B14F-4D97-AF65-F5344CB8AC3E}">
         <p14:creationId xmlns:p14="http://schemas.microsoft.com/office/powerpoint/2010/main" val="2210134991"/>
+      </p:ext>
+    </p:extLst>
+  </p:cSld>
+  <p:clrMapOvr>
+    <a:masterClrMapping/>
+  </p:clrMapOvr>
+</p:sld>
+</file>
+
+<file path=ppt/slides/slide2.xml><?xml version="1.0" encoding="utf-8"?>
+<p:sld xmlns:a="http://schemas.openxmlformats.org/drawingml/2006/main" xmlns:r="http://schemas.openxmlformats.org/officeDocument/2006/relationships" xmlns:p="http://schemas.openxmlformats.org/presentationml/2006/main">
+  <p:cSld>
+    <p:spTree>
+      <p:nvGrpSpPr>
+        <p:cNvPr id="1" name=""/>
+        <p:cNvGrpSpPr/>
+        <p:nvPr/>
+      </p:nvGrpSpPr>
+      <p:grpSpPr>
+        <a:xfrm>
+          <a:off x="0" y="0"/>
+          <a:ext cx="0" cy="0"/>
+          <a:chOff x="0" y="0"/>
+          <a:chExt cx="0" cy="0"/>
+        </a:xfrm>
+      </p:grpSpPr>
+      <p:pic>
+        <p:nvPicPr>
+          <p:cNvPr id="7" name="Picture 6">
+            <a:extLst>
+              <a:ext uri="{FF2B5EF4-FFF2-40B4-BE49-F238E27FC236}">
+                <a16:creationId xmlns:a16="http://schemas.microsoft.com/office/drawing/2014/main" id="{CC11DADA-E865-62CF-7208-A54F25B02B45}"/>
+              </a:ext>
+            </a:extLst>
+          </p:cNvPr>
+          <p:cNvPicPr>
+            <a:picLocks noChangeAspect="1"/>
+          </p:cNvPicPr>
+          <p:nvPr/>
+        </p:nvPicPr>
+        <p:blipFill>
+          <a:blip r:embed="rId2"/>
+          <a:stretch>
+            <a:fillRect/>
+          </a:stretch>
+        </p:blipFill>
+        <p:spPr>
+          <a:xfrm>
+            <a:off x="3728713" y="289880"/>
+            <a:ext cx="5208869" cy="3139120"/>
+          </a:xfrm>
+          <a:prstGeom prst="rect">
+            <a:avLst/>
+          </a:prstGeom>
+        </p:spPr>
+      </p:pic>
+      <p:pic>
+        <p:nvPicPr>
+          <p:cNvPr id="9" name="Picture 8" descr="A diagram of a graph&#10;&#10;Description automatically generated with medium confidence">
+            <a:extLst>
+              <a:ext uri="{FF2B5EF4-FFF2-40B4-BE49-F238E27FC236}">
+                <a16:creationId xmlns:a16="http://schemas.microsoft.com/office/drawing/2014/main" id="{1BAB172D-1BAF-EBDC-7DD3-8186A23569C0}"/>
+              </a:ext>
+            </a:extLst>
+          </p:cNvPr>
+          <p:cNvPicPr>
+            <a:picLocks noChangeAspect="1"/>
+          </p:cNvPicPr>
+          <p:nvPr/>
+        </p:nvPicPr>
+        <p:blipFill>
+          <a:blip r:embed="rId3">
+            <a:extLst>
+              <a:ext uri="{28A0092B-C50C-407E-A947-70E740481C1C}">
+                <a14:useLocalDpi xmlns:a14="http://schemas.microsoft.com/office/drawing/2010/main" val="0"/>
+              </a:ext>
+            </a:extLst>
+          </a:blip>
+          <a:srcRect l="3565" t="9861" r="2635" b="2084"/>
+          <a:stretch/>
+        </p:blipFill>
+        <p:spPr>
+          <a:xfrm>
+            <a:off x="3728713" y="3255598"/>
+            <a:ext cx="5120012" cy="3220325"/>
+          </a:xfrm>
+          <a:prstGeom prst="rect">
+            <a:avLst/>
+          </a:prstGeom>
+        </p:spPr>
+      </p:pic>
+    </p:spTree>
+    <p:extLst>
+      <p:ext uri="{BB962C8B-B14F-4D97-AF65-F5344CB8AC3E}">
+        <p14:creationId xmlns:p14="http://schemas.microsoft.com/office/powerpoint/2010/main" val="2081636031"/>
       </p:ext>
     </p:extLst>
   </p:cSld>
